--- a/04-Buyuk-Veri-Sorgulama/04_apache_tez_teori.pptx
+++ b/04-Buyuk-Veri-Sorgulama/04_apache_tez_teori.pptx
@@ -511,7 +511,7 @@
           <a:p>
             <a:fld id="{6F77F576-AE14-466D-AA6B-335273622B21}" type="datetimeFigureOut">
               <a:rPr lang="en-US" smtClean="0"/>
-              <a:t>7/23/2019</a:t>
+              <a:t>10/4/2019</a:t>
             </a:fld>
             <a:endParaRPr lang="en-US"/>
           </a:p>
@@ -910,7 +910,7 @@
           <a:p>
             <a:fld id="{54AA066D-271F-4C1A-B89A-0705A7689EE9}" type="datetimeFigureOut">
               <a:rPr lang="en-US" smtClean="0"/>
-              <a:t>7/23/2019</a:t>
+              <a:t>10/4/2019</a:t>
             </a:fld>
             <a:endParaRPr lang="en-US"/>
           </a:p>
@@ -1080,7 +1080,7 @@
           <a:p>
             <a:fld id="{54AA066D-271F-4C1A-B89A-0705A7689EE9}" type="datetimeFigureOut">
               <a:rPr lang="en-US" smtClean="0"/>
-              <a:t>7/23/2019</a:t>
+              <a:t>10/4/2019</a:t>
             </a:fld>
             <a:endParaRPr lang="en-US"/>
           </a:p>
@@ -1260,7 +1260,7 @@
           <a:p>
             <a:fld id="{54AA066D-271F-4C1A-B89A-0705A7689EE9}" type="datetimeFigureOut">
               <a:rPr lang="en-US" smtClean="0"/>
-              <a:t>7/23/2019</a:t>
+              <a:t>10/4/2019</a:t>
             </a:fld>
             <a:endParaRPr lang="en-US"/>
           </a:p>
@@ -1430,7 +1430,7 @@
           <a:p>
             <a:fld id="{54AA066D-271F-4C1A-B89A-0705A7689EE9}" type="datetimeFigureOut">
               <a:rPr lang="en-US" smtClean="0"/>
-              <a:t>7/23/2019</a:t>
+              <a:t>10/4/2019</a:t>
             </a:fld>
             <a:endParaRPr lang="en-US"/>
           </a:p>
@@ -1676,7 +1676,7 @@
           <a:p>
             <a:fld id="{54AA066D-271F-4C1A-B89A-0705A7689EE9}" type="datetimeFigureOut">
               <a:rPr lang="en-US" smtClean="0"/>
-              <a:t>7/23/2019</a:t>
+              <a:t>10/4/2019</a:t>
             </a:fld>
             <a:endParaRPr lang="en-US"/>
           </a:p>
@@ -1908,7 +1908,7 @@
           <a:p>
             <a:fld id="{54AA066D-271F-4C1A-B89A-0705A7689EE9}" type="datetimeFigureOut">
               <a:rPr lang="en-US" smtClean="0"/>
-              <a:t>7/23/2019</a:t>
+              <a:t>10/4/2019</a:t>
             </a:fld>
             <a:endParaRPr lang="en-US"/>
           </a:p>
@@ -2275,7 +2275,7 @@
           <a:p>
             <a:fld id="{54AA066D-271F-4C1A-B89A-0705A7689EE9}" type="datetimeFigureOut">
               <a:rPr lang="en-US" smtClean="0"/>
-              <a:t>7/23/2019</a:t>
+              <a:t>10/4/2019</a:t>
             </a:fld>
             <a:endParaRPr lang="en-US"/>
           </a:p>
@@ -2393,7 +2393,7 @@
           <a:p>
             <a:fld id="{54AA066D-271F-4C1A-B89A-0705A7689EE9}" type="datetimeFigureOut">
               <a:rPr lang="en-US" smtClean="0"/>
-              <a:t>7/23/2019</a:t>
+              <a:t>10/4/2019</a:t>
             </a:fld>
             <a:endParaRPr lang="en-US"/>
           </a:p>
@@ -2488,7 +2488,7 @@
           <a:p>
             <a:fld id="{54AA066D-271F-4C1A-B89A-0705A7689EE9}" type="datetimeFigureOut">
               <a:rPr lang="en-US" smtClean="0"/>
-              <a:t>7/23/2019</a:t>
+              <a:t>10/4/2019</a:t>
             </a:fld>
             <a:endParaRPr lang="en-US"/>
           </a:p>
@@ -2765,7 +2765,7 @@
           <a:p>
             <a:fld id="{54AA066D-271F-4C1A-B89A-0705A7689EE9}" type="datetimeFigureOut">
               <a:rPr lang="en-US" smtClean="0"/>
-              <a:t>7/23/2019</a:t>
+              <a:t>10/4/2019</a:t>
             </a:fld>
             <a:endParaRPr lang="en-US"/>
           </a:p>
@@ -3018,7 +3018,7 @@
           <a:p>
             <a:fld id="{54AA066D-271F-4C1A-B89A-0705A7689EE9}" type="datetimeFigureOut">
               <a:rPr lang="en-US" smtClean="0"/>
-              <a:t>7/23/2019</a:t>
+              <a:t>10/4/2019</a:t>
             </a:fld>
             <a:endParaRPr lang="en-US"/>
           </a:p>
@@ -3231,7 +3231,7 @@
           <a:p>
             <a:fld id="{54AA066D-271F-4C1A-B89A-0705A7689EE9}" type="datetimeFigureOut">
               <a:rPr lang="en-US" smtClean="0"/>
-              <a:t>7/23/2019</a:t>
+              <a:t>10/4/2019</a:t>
             </a:fld>
             <a:endParaRPr lang="en-US"/>
           </a:p>
@@ -3752,42 +3752,6 @@
           <a:xfrm>
             <a:off x="3392503" y="2318844"/>
             <a:ext cx="5440855" cy="2788438"/>
-          </a:xfrm>
-          <a:prstGeom prst="rect">
-            <a:avLst/>
-          </a:prstGeom>
-        </p:spPr>
-      </p:pic>
-      <p:pic>
-        <p:nvPicPr>
-          <p:cNvPr id="17" name="Resim 16">
-            <a:extLst>
-              <a:ext uri="{FF2B5EF4-FFF2-40B4-BE49-F238E27FC236}">
-                <a16:creationId xmlns:a16="http://schemas.microsoft.com/office/drawing/2014/main" id="{305E906A-9807-4AF9-82CA-FE977891A36F}"/>
-              </a:ext>
-            </a:extLst>
-          </p:cNvPr>
-          <p:cNvPicPr>
-            <a:picLocks noChangeAspect="1"/>
-          </p:cNvPicPr>
-          <p:nvPr/>
-        </p:nvPicPr>
-        <p:blipFill>
-          <a:blip r:embed="rId3">
-            <a:extLst>
-              <a:ext uri="{28A0092B-C50C-407E-A947-70E740481C1C}">
-                <a14:useLocalDpi xmlns:a14="http://schemas.microsoft.com/office/drawing/2010/main" val="0"/>
-              </a:ext>
-            </a:extLst>
-          </a:blip>
-          <a:stretch>
-            <a:fillRect/>
-          </a:stretch>
-        </p:blipFill>
-        <p:spPr>
-          <a:xfrm>
-            <a:off x="340622" y="6362072"/>
-            <a:ext cx="2154700" cy="308365"/>
           </a:xfrm>
           <a:prstGeom prst="rect">
             <a:avLst/>
